--- a/qminer.pptx
+++ b/qminer.pptx
@@ -288,7 +288,7 @@
           <a:p>
             <a:fld id="{0D2F9CFD-0459-954D-9AEA-323534932646}" type="datetimeFigureOut">
               <a:rPr lang="en-US" smtClean="0"/>
-              <a:t>02/12/14</a:t>
+              <a:t>04/12/14</a:t>
             </a:fld>
             <a:endParaRPr lang="en-US"/>
           </a:p>
@@ -458,7 +458,7 @@
           <a:p>
             <a:fld id="{0D2F9CFD-0459-954D-9AEA-323534932646}" type="datetimeFigureOut">
               <a:rPr lang="en-US" smtClean="0"/>
-              <a:t>02/12/14</a:t>
+              <a:t>04/12/14</a:t>
             </a:fld>
             <a:endParaRPr lang="en-US"/>
           </a:p>
@@ -638,7 +638,7 @@
           <a:p>
             <a:fld id="{0D2F9CFD-0459-954D-9AEA-323534932646}" type="datetimeFigureOut">
               <a:rPr lang="en-US" smtClean="0"/>
-              <a:t>02/12/14</a:t>
+              <a:t>04/12/14</a:t>
             </a:fld>
             <a:endParaRPr lang="en-US"/>
           </a:p>
@@ -808,7 +808,7 @@
           <a:p>
             <a:fld id="{0D2F9CFD-0459-954D-9AEA-323534932646}" type="datetimeFigureOut">
               <a:rPr lang="en-US" smtClean="0"/>
-              <a:t>02/12/14</a:t>
+              <a:t>04/12/14</a:t>
             </a:fld>
             <a:endParaRPr lang="en-US"/>
           </a:p>
@@ -1054,7 +1054,7 @@
           <a:p>
             <a:fld id="{0D2F9CFD-0459-954D-9AEA-323534932646}" type="datetimeFigureOut">
               <a:rPr lang="en-US" smtClean="0"/>
-              <a:t>02/12/14</a:t>
+              <a:t>04/12/14</a:t>
             </a:fld>
             <a:endParaRPr lang="en-US"/>
           </a:p>
@@ -1342,7 +1342,7 @@
           <a:p>
             <a:fld id="{0D2F9CFD-0459-954D-9AEA-323534932646}" type="datetimeFigureOut">
               <a:rPr lang="en-US" smtClean="0"/>
-              <a:t>02/12/14</a:t>
+              <a:t>04/12/14</a:t>
             </a:fld>
             <a:endParaRPr lang="en-US"/>
           </a:p>
@@ -1769,7 +1769,7 @@
           <a:p>
             <a:fld id="{0D2F9CFD-0459-954D-9AEA-323534932646}" type="datetimeFigureOut">
               <a:rPr lang="en-US" smtClean="0"/>
-              <a:t>02/12/14</a:t>
+              <a:t>04/12/14</a:t>
             </a:fld>
             <a:endParaRPr lang="en-US"/>
           </a:p>
@@ -1887,7 +1887,7 @@
           <a:p>
             <a:fld id="{0D2F9CFD-0459-954D-9AEA-323534932646}" type="datetimeFigureOut">
               <a:rPr lang="en-US" smtClean="0"/>
-              <a:t>02/12/14</a:t>
+              <a:t>04/12/14</a:t>
             </a:fld>
             <a:endParaRPr lang="en-US"/>
           </a:p>
@@ -1982,7 +1982,7 @@
           <a:p>
             <a:fld id="{0D2F9CFD-0459-954D-9AEA-323534932646}" type="datetimeFigureOut">
               <a:rPr lang="en-US" smtClean="0"/>
-              <a:t>02/12/14</a:t>
+              <a:t>04/12/14</a:t>
             </a:fld>
             <a:endParaRPr lang="en-US"/>
           </a:p>
@@ -2259,7 +2259,7 @@
           <a:p>
             <a:fld id="{0D2F9CFD-0459-954D-9AEA-323534932646}" type="datetimeFigureOut">
               <a:rPr lang="en-US" smtClean="0"/>
-              <a:t>02/12/14</a:t>
+              <a:t>04/12/14</a:t>
             </a:fld>
             <a:endParaRPr lang="en-US"/>
           </a:p>
@@ -2512,7 +2512,7 @@
           <a:p>
             <a:fld id="{0D2F9CFD-0459-954D-9AEA-323534932646}" type="datetimeFigureOut">
               <a:rPr lang="en-US" smtClean="0"/>
-              <a:t>02/12/14</a:t>
+              <a:t>04/12/14</a:t>
             </a:fld>
             <a:endParaRPr lang="en-US"/>
           </a:p>
@@ -2725,7 +2725,7 @@
           <a:p>
             <a:fld id="{0D2F9CFD-0459-954D-9AEA-323534932646}" type="datetimeFigureOut">
               <a:rPr lang="en-US" smtClean="0"/>
-              <a:t>02/12/14</a:t>
+              <a:t>04/12/14</a:t>
             </a:fld>
             <a:endParaRPr lang="en-US"/>
           </a:p>
@@ -3331,8 +3331,12 @@
           <a:p>
             <a:pPr algn="ctr"/>
             <a:r>
+              <a:rPr lang="en-US" sz="3200" b="1" dirty="0" smtClean="0"/>
+              <a:t>AI Lab, </a:t>
+            </a:r>
+            <a:r>
               <a:rPr lang="en-US" sz="3200" b="1" dirty="0"/>
-              <a:t>Artificial Intelligence Laboratory, Jožef Stefan Institute, </a:t>
+              <a:t>Jožef Stefan Institute, </a:t>
             </a:r>
             <a:r>
               <a:rPr lang="en-US" sz="3200" b="1" dirty="0" err="1"/>
@@ -9217,6 +9221,66 @@
           <a:xfrm>
             <a:off x="1536622" y="21474306"/>
             <a:ext cx="5891104" cy="5565629"/>
+          </a:xfrm>
+          <a:prstGeom prst="rect">
+            <a:avLst/>
+          </a:prstGeom>
+        </p:spPr>
+      </p:pic>
+      <p:pic>
+        <p:nvPicPr>
+          <p:cNvPr id="2" name="Picture 1" descr="IJS_logo.png"/>
+          <p:cNvPicPr>
+            <a:picLocks noChangeAspect="1"/>
+          </p:cNvPicPr>
+          <p:nvPr/>
+        </p:nvPicPr>
+        <p:blipFill>
+          <a:blip r:embed="rId6">
+            <a:extLst>
+              <a:ext uri="{28A0092B-C50C-407E-A947-70E740481C1C}">
+                <a14:useLocalDpi xmlns:a14="http://schemas.microsoft.com/office/drawing/2010/main" val="0"/>
+              </a:ext>
+            </a:extLst>
+          </a:blip>
+          <a:stretch>
+            <a:fillRect/>
+          </a:stretch>
+        </p:blipFill>
+        <p:spPr>
+          <a:xfrm>
+            <a:off x="16911879" y="4072484"/>
+            <a:ext cx="4107461" cy="1242789"/>
+          </a:xfrm>
+          <a:prstGeom prst="rect">
+            <a:avLst/>
+          </a:prstGeom>
+        </p:spPr>
+      </p:pic>
+      <p:pic>
+        <p:nvPicPr>
+          <p:cNvPr id="3" name="Picture 2" descr="pillango_lightgreen.png"/>
+          <p:cNvPicPr>
+            <a:picLocks noChangeAspect="1"/>
+          </p:cNvPicPr>
+          <p:nvPr/>
+        </p:nvPicPr>
+        <p:blipFill>
+          <a:blip r:embed="rId7">
+            <a:extLst>
+              <a:ext uri="{28A0092B-C50C-407E-A947-70E740481C1C}">
+                <a14:useLocalDpi xmlns:a14="http://schemas.microsoft.com/office/drawing/2010/main" val="0"/>
+              </a:ext>
+            </a:extLst>
+          </a:blip>
+          <a:stretch>
+            <a:fillRect/>
+          </a:stretch>
+        </p:blipFill>
+        <p:spPr>
+          <a:xfrm>
+            <a:off x="353979" y="3983324"/>
+            <a:ext cx="1493255" cy="1452897"/>
           </a:xfrm>
           <a:prstGeom prst="rect">
             <a:avLst/>
